--- a/slides/Online/03.1-ObjectsMethods.pptx
+++ b/slides/Online/03.1-ObjectsMethods.pptx
@@ -4286,10 +4286,10 @@
       </p:pic>
       <p:sp>
         <p:nvSpPr>
-          <p:cNvPr id="2" name="TextBox 1">
+          <p:cNvPr id="9" name="TextBox 8">
             <a:extLst>
               <a:ext uri="{FF2B5EF4-FFF2-40B4-BE49-F238E27FC236}">
-                <a16:creationId xmlns:a16="http://schemas.microsoft.com/office/drawing/2014/main" id="{F7E3744E-9E55-144E-808E-C955856927EF}"/>
+                <a16:creationId xmlns:a16="http://schemas.microsoft.com/office/drawing/2014/main" id="{E9571AC2-EAFE-EE48-9A97-9ACFE728E707}"/>
               </a:ext>
             </a:extLst>
           </p:cNvPr>
@@ -4298,7 +4298,7 @@
         </p:nvSpPr>
         <p:spPr>
           <a:xfrm>
-            <a:off x="10549054" y="7292898"/>
+            <a:off x="10549054" y="7264322"/>
             <a:ext cx="2497873" cy="276999"/>
           </a:xfrm>
           <a:prstGeom prst="rect">
@@ -4325,10 +4325,10 @@
       </p:sp>
       <p:sp>
         <p:nvSpPr>
-          <p:cNvPr id="6" name="Rectangle 5">
+          <p:cNvPr id="11" name="Rectangle 10">
             <a:extLst>
               <a:ext uri="{FF2B5EF4-FFF2-40B4-BE49-F238E27FC236}">
-                <a16:creationId xmlns:a16="http://schemas.microsoft.com/office/drawing/2014/main" id="{D59BA4A3-CE7E-F54F-8B5D-B6DDB4553484}"/>
+                <a16:creationId xmlns:a16="http://schemas.microsoft.com/office/drawing/2014/main" id="{498B55C6-DCB4-724F-933C-BC791ADBAC1B}"/>
               </a:ext>
             </a:extLst>
           </p:cNvPr>
@@ -4337,15 +4337,15 @@
         </p:nvSpPr>
         <p:spPr>
           <a:xfrm>
-            <a:off x="7814527" y="7521314"/>
-            <a:ext cx="6908800" cy="892552"/>
+            <a:off x="9287446" y="7508206"/>
+            <a:ext cx="4601311" cy="246221"/>
           </a:xfrm>
           <a:prstGeom prst="rect">
             <a:avLst/>
           </a:prstGeom>
         </p:spPr>
         <p:txBody>
-          <a:bodyPr>
+          <a:bodyPr wrap="square">
             <a:spAutoFit/>
           </a:bodyPr>
           <a:lstStyle/>
@@ -4359,7 +4359,7 @@
               </a:spcAft>
             </a:pPr>
             <a:r>
-              <a:rPr lang="en-US" sz="1200" b="0" i="0" u="none" strike="noStrike" dirty="0">
+              <a:rPr lang="en-US" sz="1000" b="0" i="0" u="none" strike="noStrike" dirty="0">
                 <a:solidFill>
                   <a:srgbClr val="7F7F7F"/>
                 </a:solidFill>
@@ -4369,7 +4369,7 @@
               <a:t>Slides Originally Created by Albert Lionelle (</a:t>
             </a:r>
             <a:r>
-              <a:rPr lang="en-US" sz="1200" b="0" i="0" u="none" strike="noStrike" dirty="0" err="1">
+              <a:rPr lang="en-US" sz="1000" b="0" i="0" u="none" strike="noStrike" dirty="0" err="1">
                 <a:solidFill>
                   <a:srgbClr val="7F7F7F"/>
                 </a:solidFill>
@@ -4379,7 +4379,7 @@
               <a:t>Albert.Lionelle@colostate.edu</a:t>
             </a:r>
             <a:r>
-              <a:rPr lang="en-US" sz="1200" b="0" i="0" u="none" strike="noStrike" dirty="0">
+              <a:rPr lang="en-US" sz="1000" b="0" i="0" u="none" strike="noStrike" dirty="0">
                 <a:solidFill>
                   <a:srgbClr val="7F7F7F"/>
                 </a:solidFill>
@@ -4388,18 +4388,12 @@
               </a:rPr>
               <a:t>)</a:t>
             </a:r>
-            <a:endParaRPr lang="en-US" sz="1200" b="0" dirty="0">
+            <a:endParaRPr lang="en-US" sz="1000" b="0" dirty="0">
               <a:solidFill>
                 <a:srgbClr val="7F7F7F"/>
               </a:solidFill>
               <a:effectLst/>
             </a:endParaRPr>
-          </a:p>
-          <a:p>
-            <a:br>
-              <a:rPr lang="en-US" dirty="0"/>
-            </a:br>
-            <a:endParaRPr lang="en-US" dirty="0"/>
           </a:p>
         </p:txBody>
       </p:sp>
@@ -10125,9 +10119,10 @@
           <a:p>
             <a:pPr fontAlgn="base"/>
             <a:r>
-              <a:rPr lang="en-US" dirty="0"/>
-              <a:t>Objects are</a:t>
-            </a:r>
+              <a:rPr lang="en-US"/>
+              <a:t>Objects are </a:t>
+            </a:r>
+            <a:endParaRPr lang="en-US" dirty="0"/>
           </a:p>
           <a:p>
             <a:pPr lvl="1" fontAlgn="base"/>
